--- a/Class project 3 - monitoring daily report/project-requirement.pptx
+++ b/Class project 3 - monitoring daily report/project-requirement.pptx
@@ -11,7 +11,8 @@
     <p:sldId id="260" r:id="rId5"/>
     <p:sldId id="265" r:id="rId6"/>
     <p:sldId id="266" r:id="rId7"/>
-    <p:sldId id="268" r:id="rId8"/>
+    <p:sldId id="269" r:id="rId8"/>
+    <p:sldId id="268" r:id="rId9"/>
   </p:sldIdLst>
   <p:sldSz cx="12192000" cy="6858000"/>
   <p:notesSz cx="6858000" cy="9144000"/>
@@ -267,7 +268,7 @@
           <a:p>
             <a:fld id="{0B6C1FC6-8E04-4B34-B8B0-F6A7E1CD8639}" type="datetimeFigureOut">
               <a:rPr lang="th-TH" smtClean="0"/>
-              <a:t>26/04/66</a:t>
+              <a:t>20/05/66</a:t>
             </a:fld>
             <a:endParaRPr lang="th-TH"/>
           </a:p>
@@ -467,7 +468,7 @@
           <a:p>
             <a:fld id="{0B6C1FC6-8E04-4B34-B8B0-F6A7E1CD8639}" type="datetimeFigureOut">
               <a:rPr lang="th-TH" smtClean="0"/>
-              <a:t>26/04/66</a:t>
+              <a:t>20/05/66</a:t>
             </a:fld>
             <a:endParaRPr lang="th-TH"/>
           </a:p>
@@ -677,7 +678,7 @@
           <a:p>
             <a:fld id="{0B6C1FC6-8E04-4B34-B8B0-F6A7E1CD8639}" type="datetimeFigureOut">
               <a:rPr lang="th-TH" smtClean="0"/>
-              <a:t>26/04/66</a:t>
+              <a:t>20/05/66</a:t>
             </a:fld>
             <a:endParaRPr lang="th-TH"/>
           </a:p>
@@ -877,7 +878,7 @@
           <a:p>
             <a:fld id="{0B6C1FC6-8E04-4B34-B8B0-F6A7E1CD8639}" type="datetimeFigureOut">
               <a:rPr lang="th-TH" smtClean="0"/>
-              <a:t>26/04/66</a:t>
+              <a:t>20/05/66</a:t>
             </a:fld>
             <a:endParaRPr lang="th-TH"/>
           </a:p>
@@ -1153,7 +1154,7 @@
           <a:p>
             <a:fld id="{0B6C1FC6-8E04-4B34-B8B0-F6A7E1CD8639}" type="datetimeFigureOut">
               <a:rPr lang="th-TH" smtClean="0"/>
-              <a:t>26/04/66</a:t>
+              <a:t>20/05/66</a:t>
             </a:fld>
             <a:endParaRPr lang="th-TH"/>
           </a:p>
@@ -1421,7 +1422,7 @@
           <a:p>
             <a:fld id="{0B6C1FC6-8E04-4B34-B8B0-F6A7E1CD8639}" type="datetimeFigureOut">
               <a:rPr lang="th-TH" smtClean="0"/>
-              <a:t>26/04/66</a:t>
+              <a:t>20/05/66</a:t>
             </a:fld>
             <a:endParaRPr lang="th-TH"/>
           </a:p>
@@ -1836,7 +1837,7 @@
           <a:p>
             <a:fld id="{0B6C1FC6-8E04-4B34-B8B0-F6A7E1CD8639}" type="datetimeFigureOut">
               <a:rPr lang="th-TH" smtClean="0"/>
-              <a:t>26/04/66</a:t>
+              <a:t>20/05/66</a:t>
             </a:fld>
             <a:endParaRPr lang="th-TH"/>
           </a:p>
@@ -1978,7 +1979,7 @@
           <a:p>
             <a:fld id="{0B6C1FC6-8E04-4B34-B8B0-F6A7E1CD8639}" type="datetimeFigureOut">
               <a:rPr lang="th-TH" smtClean="0"/>
-              <a:t>26/04/66</a:t>
+              <a:t>20/05/66</a:t>
             </a:fld>
             <a:endParaRPr lang="th-TH"/>
           </a:p>
@@ -2091,7 +2092,7 @@
           <a:p>
             <a:fld id="{0B6C1FC6-8E04-4B34-B8B0-F6A7E1CD8639}" type="datetimeFigureOut">
               <a:rPr lang="th-TH" smtClean="0"/>
-              <a:t>26/04/66</a:t>
+              <a:t>20/05/66</a:t>
             </a:fld>
             <a:endParaRPr lang="th-TH"/>
           </a:p>
@@ -2404,7 +2405,7 @@
           <a:p>
             <a:fld id="{0B6C1FC6-8E04-4B34-B8B0-F6A7E1CD8639}" type="datetimeFigureOut">
               <a:rPr lang="th-TH" smtClean="0"/>
-              <a:t>26/04/66</a:t>
+              <a:t>20/05/66</a:t>
             </a:fld>
             <a:endParaRPr lang="th-TH"/>
           </a:p>
@@ -2693,7 +2694,7 @@
           <a:p>
             <a:fld id="{0B6C1FC6-8E04-4B34-B8B0-F6A7E1CD8639}" type="datetimeFigureOut">
               <a:rPr lang="th-TH" smtClean="0"/>
-              <a:t>26/04/66</a:t>
+              <a:t>20/05/66</a:t>
             </a:fld>
             <a:endParaRPr lang="th-TH"/>
           </a:p>
@@ -2936,7 +2937,7 @@
           <a:p>
             <a:fld id="{0B6C1FC6-8E04-4B34-B8B0-F6A7E1CD8639}" type="datetimeFigureOut">
               <a:rPr lang="th-TH" smtClean="0"/>
-              <a:t>26/04/66</a:t>
+              <a:t>20/05/66</a:t>
             </a:fld>
             <a:endParaRPr lang="th-TH"/>
           </a:p>
@@ -4552,6 +4553,101 @@
       </p:grpSpPr>
       <p:sp>
         <p:nvSpPr>
+          <p:cNvPr id="2" name="Title 1">
+            <a:extLst>
+              <a:ext uri="{FF2B5EF4-FFF2-40B4-BE49-F238E27FC236}">
+                <a16:creationId xmlns:a16="http://schemas.microsoft.com/office/drawing/2014/main" id="{1CAD82F5-4139-AE73-761A-2DD56D5ACEEC}"/>
+              </a:ext>
+            </a:extLst>
+          </p:cNvPr>
+          <p:cNvSpPr>
+            <a:spLocks noGrp="1"/>
+          </p:cNvSpPr>
+          <p:nvPr>
+            <p:ph type="title"/>
+          </p:nvPr>
+        </p:nvSpPr>
+        <p:spPr/>
+        <p:txBody>
+          <a:bodyPr/>
+          <a:lstStyle/>
+          <a:p>
+            <a:r>
+              <a:rPr lang="th-TH" dirty="0"/>
+              <a:t>ตัวอย่าง </a:t>
+            </a:r>
+            <a:r>
+              <a:rPr lang="en-US" dirty="0"/>
+              <a:t>input </a:t>
+            </a:r>
+            <a:r>
+              <a:rPr lang="th-TH" dirty="0"/>
+              <a:t>ของแต่ละวัน</a:t>
+            </a:r>
+          </a:p>
+        </p:txBody>
+      </p:sp>
+      <p:pic>
+        <p:nvPicPr>
+          <p:cNvPr id="5" name="Content Placeholder 4">
+            <a:extLst>
+              <a:ext uri="{FF2B5EF4-FFF2-40B4-BE49-F238E27FC236}">
+                <a16:creationId xmlns:a16="http://schemas.microsoft.com/office/drawing/2014/main" id="{D66021A9-81E1-7065-9B3E-19141667EEE0}"/>
+              </a:ext>
+            </a:extLst>
+          </p:cNvPr>
+          <p:cNvPicPr>
+            <a:picLocks noGrp="1" noChangeAspect="1"/>
+          </p:cNvPicPr>
+          <p:nvPr>
+            <p:ph idx="1"/>
+          </p:nvPr>
+        </p:nvPicPr>
+        <p:blipFill>
+          <a:blip r:embed="rId2"/>
+          <a:stretch>
+            <a:fillRect/>
+          </a:stretch>
+        </p:blipFill>
+        <p:spPr>
+          <a:xfrm>
+            <a:off x="1560863" y="1825625"/>
+            <a:ext cx="9070274" cy="4351338"/>
+          </a:xfrm>
+        </p:spPr>
+      </p:pic>
+    </p:spTree>
+    <p:extLst>
+      <p:ext uri="{BB962C8B-B14F-4D97-AF65-F5344CB8AC3E}">
+        <p14:creationId xmlns:p14="http://schemas.microsoft.com/office/powerpoint/2010/main" val="1729487179"/>
+      </p:ext>
+    </p:extLst>
+  </p:cSld>
+  <p:clrMapOvr>
+    <a:masterClrMapping/>
+  </p:clrMapOvr>
+</p:sld>
+</file>
+
+<file path=ppt/slides/slide8.xml><?xml version="1.0" encoding="utf-8"?>
+<p:sld xmlns:a="http://schemas.openxmlformats.org/drawingml/2006/main" xmlns:r="http://schemas.openxmlformats.org/officeDocument/2006/relationships" xmlns:p="http://schemas.openxmlformats.org/presentationml/2006/main">
+  <p:cSld>
+    <p:spTree>
+      <p:nvGrpSpPr>
+        <p:cNvPr id="1" name=""/>
+        <p:cNvGrpSpPr/>
+        <p:nvPr/>
+      </p:nvGrpSpPr>
+      <p:grpSpPr>
+        <a:xfrm>
+          <a:off x="0" y="0"/>
+          <a:ext cx="0" cy="0"/>
+          <a:chOff x="0" y="0"/>
+          <a:chExt cx="0" cy="0"/>
+        </a:xfrm>
+      </p:grpSpPr>
+      <p:sp>
+        <p:nvSpPr>
           <p:cNvPr id="3" name="Content Placeholder 2">
             <a:extLst>
               <a:ext uri="{FF2B5EF4-FFF2-40B4-BE49-F238E27FC236}">
@@ -4579,7 +4675,7 @@
                 <a:latin typeface="TH Sarabun New" panose="020B0500040200020003" pitchFamily="34" charset="-34"/>
                 <a:cs typeface="TH Sarabun New" panose="020B0500040200020003" pitchFamily="34" charset="-34"/>
               </a:rPr>
-              <a:t>จัดคิวงานตามกลุ่มของทีมขาย โดยแบ่งตามชนิดของบัตรที่สมัคร</a:t>
+              <a:t>ยอดรวมการขายสินค้าแต่ละรายการ แยกตามช่วงเวลา</a:t>
             </a:r>
           </a:p>
           <a:p>
@@ -4603,90 +4699,172 @@
                 <a:latin typeface="TH Sarabun New" panose="020B0500040200020003" pitchFamily="34" charset="-34"/>
                 <a:cs typeface="TH Sarabun New" panose="020B0500040200020003" pitchFamily="34" charset="-34"/>
               </a:rPr>
-              <a:t>	ถ้าลูกค้าสมัครบัตร </a:t>
+              <a:t>สรุปรายการขายสินค้า </a:t>
             </a:r>
             <a:r>
               <a:rPr lang="en-US" dirty="0">
                 <a:latin typeface="TH Sarabun New" panose="020B0500040200020003" pitchFamily="34" charset="-34"/>
                 <a:cs typeface="TH Sarabun New" panose="020B0500040200020003" pitchFamily="34" charset="-34"/>
               </a:rPr>
-              <a:t>WIE </a:t>
-            </a:r>
+              <a:t>PDA14S</a:t>
+            </a:r>
+            <a:endParaRPr lang="th-TH" dirty="0">
+              <a:latin typeface="TH Sarabun New" panose="020B0500040200020003" pitchFamily="34" charset="-34"/>
+              <a:cs typeface="TH Sarabun New" panose="020B0500040200020003" pitchFamily="34" charset="-34"/>
+            </a:endParaRPr>
+          </a:p>
+          <a:p>
+            <a:pPr marL="0" indent="0">
+              <a:buNone/>
+            </a:pPr>
             <a:r>
               <a:rPr lang="th-TH" dirty="0">
                 <a:latin typeface="TH Sarabun New" panose="020B0500040200020003" pitchFamily="34" charset="-34"/>
                 <a:cs typeface="TH Sarabun New" panose="020B0500040200020003" pitchFamily="34" charset="-34"/>
               </a:rPr>
-              <a:t>หรือ </a:t>
+              <a:t>สินค้า </a:t>
             </a:r>
             <a:r>
               <a:rPr lang="en-US" dirty="0">
                 <a:latin typeface="TH Sarabun New" panose="020B0500040200020003" pitchFamily="34" charset="-34"/>
                 <a:cs typeface="TH Sarabun New" panose="020B0500040200020003" pitchFamily="34" charset="-34"/>
               </a:rPr>
-              <a:t>LFP </a:t>
+              <a:t>PDA14S </a:t>
             </a:r>
             <a:r>
               <a:rPr lang="th-TH" dirty="0">
                 <a:latin typeface="TH Sarabun New" panose="020B0500040200020003" pitchFamily="34" charset="-34"/>
                 <a:cs typeface="TH Sarabun New" panose="020B0500040200020003" pitchFamily="34" charset="-34"/>
               </a:rPr>
-              <a:t>จะจัดคิวให้ทีมขายกลุ่ม </a:t>
+              <a:t>ช่วงเช้า ขายได้ทั้งหมด 45 ชิ้น รายได้ 45</a:t>
             </a:r>
             <a:r>
               <a:rPr lang="en-US" dirty="0">
                 <a:latin typeface="TH Sarabun New" panose="020B0500040200020003" pitchFamily="34" charset="-34"/>
                 <a:cs typeface="TH Sarabun New" panose="020B0500040200020003" pitchFamily="34" charset="-34"/>
               </a:rPr>
-              <a:t>A </a:t>
-            </a:r>
-          </a:p>
-          <a:p>
-            <a:pPr marL="0" indent="0">
-              <a:buNone/>
-            </a:pPr>
+              <a:t>,</a:t>
+            </a:r>
             <a:r>
               <a:rPr lang="th-TH" dirty="0">
                 <a:latin typeface="TH Sarabun New" panose="020B0500040200020003" pitchFamily="34" charset="-34"/>
                 <a:cs typeface="TH Sarabun New" panose="020B0500040200020003" pitchFamily="34" charset="-34"/>
               </a:rPr>
-              <a:t>	ถ้าลูกค้าสมัครบัตร </a:t>
+              <a:t>000 บาท</a:t>
+            </a:r>
+          </a:p>
+          <a:p>
+            <a:pPr marL="0" indent="0">
+              <a:buNone/>
+            </a:pPr>
+            <a:r>
+              <a:rPr lang="th-TH" dirty="0">
+                <a:latin typeface="TH Sarabun New" panose="020B0500040200020003" pitchFamily="34" charset="-34"/>
+                <a:cs typeface="TH Sarabun New" panose="020B0500040200020003" pitchFamily="34" charset="-34"/>
+              </a:rPr>
+              <a:t>สินค้า </a:t>
             </a:r>
             <a:r>
               <a:rPr lang="en-US" dirty="0">
                 <a:latin typeface="TH Sarabun New" panose="020B0500040200020003" pitchFamily="34" charset="-34"/>
                 <a:cs typeface="TH Sarabun New" panose="020B0500040200020003" pitchFamily="34" charset="-34"/>
               </a:rPr>
-              <a:t>VVIP </a:t>
+              <a:t>PDA14S </a:t>
             </a:r>
             <a:r>
               <a:rPr lang="th-TH" dirty="0">
                 <a:latin typeface="TH Sarabun New" panose="020B0500040200020003" pitchFamily="34" charset="-34"/>
                 <a:cs typeface="TH Sarabun New" panose="020B0500040200020003" pitchFamily="34" charset="-34"/>
               </a:rPr>
-              <a:t>หรือ </a:t>
+              <a:t>ช่วงบ่าย ขายได้ทั้งหมด 100 ชิ้น รายได้</a:t>
             </a:r>
             <a:r>
               <a:rPr lang="en-US" dirty="0">
                 <a:latin typeface="TH Sarabun New" panose="020B0500040200020003" pitchFamily="34" charset="-34"/>
                 <a:cs typeface="TH Sarabun New" panose="020B0500040200020003" pitchFamily="34" charset="-34"/>
               </a:rPr>
-              <a:t>SPC </a:t>
+              <a:t> 100,</a:t>
             </a:r>
             <a:r>
               <a:rPr lang="th-TH" dirty="0">
                 <a:latin typeface="TH Sarabun New" panose="020B0500040200020003" pitchFamily="34" charset="-34"/>
                 <a:cs typeface="TH Sarabun New" panose="020B0500040200020003" pitchFamily="34" charset="-34"/>
               </a:rPr>
-              <a:t>จะจัดคิวให้ทีมขายกลุ่ม </a:t>
+              <a:t>000 บาท</a:t>
+            </a:r>
+          </a:p>
+          <a:p>
+            <a:pPr marL="0" indent="0">
+              <a:buNone/>
+            </a:pPr>
+            <a:r>
+              <a:rPr lang="th-TH" dirty="0">
+                <a:latin typeface="TH Sarabun New" panose="020B0500040200020003" pitchFamily="34" charset="-34"/>
+                <a:cs typeface="TH Sarabun New" panose="020B0500040200020003" pitchFamily="34" charset="-34"/>
+              </a:rPr>
+              <a:t>สินค้า </a:t>
             </a:r>
             <a:r>
               <a:rPr lang="en-US" dirty="0">
                 <a:latin typeface="TH Sarabun New" panose="020B0500040200020003" pitchFamily="34" charset="-34"/>
                 <a:cs typeface="TH Sarabun New" panose="020B0500040200020003" pitchFamily="34" charset="-34"/>
               </a:rPr>
-              <a:t>S </a:t>
-            </a:r>
+              <a:t>PDA14S </a:t>
+            </a:r>
+            <a:r>
+              <a:rPr lang="th-TH" dirty="0">
+                <a:latin typeface="TH Sarabun New" panose="020B0500040200020003" pitchFamily="34" charset="-34"/>
+                <a:cs typeface="TH Sarabun New" panose="020B0500040200020003" pitchFamily="34" charset="-34"/>
+              </a:rPr>
+              <a:t>ช่วงเย็น ขายได้ทั้งหมด 0 ชิ้น 0 บาท</a:t>
+            </a:r>
+          </a:p>
+          <a:p>
+            <a:pPr marL="0" indent="0">
+              <a:buNone/>
+            </a:pPr>
+            <a:endParaRPr lang="th-TH" dirty="0">
+              <a:latin typeface="TH Sarabun New" panose="020B0500040200020003" pitchFamily="34" charset="-34"/>
+              <a:cs typeface="TH Sarabun New" panose="020B0500040200020003" pitchFamily="34" charset="-34"/>
+            </a:endParaRPr>
+          </a:p>
+          <a:p>
+            <a:pPr marL="0" indent="0">
+              <a:buNone/>
+            </a:pPr>
+            <a:r>
+              <a:rPr lang="th-TH" dirty="0">
+                <a:latin typeface="TH Sarabun New" panose="020B0500040200020003" pitchFamily="34" charset="-34"/>
+                <a:cs typeface="TH Sarabun New" panose="020B0500040200020003" pitchFamily="34" charset="-34"/>
+              </a:rPr>
+              <a:t>และทำรายงานสรุป .</a:t>
+            </a:r>
+            <a:r>
+              <a:rPr lang="en-US">
+                <a:latin typeface="TH Sarabun New" panose="020B0500040200020003" pitchFamily="34" charset="-34"/>
+                <a:cs typeface="TH Sarabun New" panose="020B0500040200020003" pitchFamily="34" charset="-34"/>
+              </a:rPr>
+              <a:t>xlsx</a:t>
+            </a:r>
+            <a:r>
+              <a:rPr lang="th-TH">
+                <a:latin typeface="TH Sarabun New" panose="020B0500040200020003" pitchFamily="34" charset="-34"/>
+                <a:cs typeface="TH Sarabun New" panose="020B0500040200020003" pitchFamily="34" charset="-34"/>
+              </a:rPr>
+              <a:t> </a:t>
+            </a:r>
+            <a:r>
+              <a:rPr lang="th-TH" dirty="0">
+                <a:latin typeface="TH Sarabun New" panose="020B0500040200020003" pitchFamily="34" charset="-34"/>
+                <a:cs typeface="TH Sarabun New" panose="020B0500040200020003" pitchFamily="34" charset="-34"/>
+              </a:rPr>
+              <a:t>(ออกแบบรายงานเอง)</a:t>
+            </a:r>
+          </a:p>
+          <a:p>
+            <a:pPr marL="0" indent="0">
+              <a:buNone/>
+            </a:pPr>
             <a:endParaRPr lang="th-TH" dirty="0">
               <a:latin typeface="TH Sarabun New" panose="020B0500040200020003" pitchFamily="34" charset="-34"/>
               <a:cs typeface="TH Sarabun New" panose="020B0500040200020003" pitchFamily="34" charset="-34"/>
@@ -4725,9 +4903,10 @@
           <a:lstStyle/>
           <a:p>
             <a:r>
-              <a:rPr lang="th-TH" dirty="0"/>
-              <a:t>ข้อมูล ของ 1</a:t>
-            </a:r>
+              <a:rPr lang="en-US" dirty="0"/>
+              <a:t>Expect Result</a:t>
+            </a:r>
+            <a:endParaRPr lang="th-TH" dirty="0"/>
           </a:p>
         </p:txBody>
       </p:sp>
